--- a/clases/Cap04_Sistemas_Lineales/presentations/IMG04_Wavelets.pptx
+++ b/clases/Cap04_Sistemas_Lineales/presentations/IMG04_Wavelets.pptx
@@ -5,7 +5,7 @@
     <p:sldMasterId id="2147483648" r:id="rId1"/>
   </p:sldMasterIdLst>
   <p:notesMasterIdLst>
-    <p:notesMasterId r:id="rId12"/>
+    <p:notesMasterId r:id="rId11"/>
   </p:notesMasterIdLst>
   <p:sldIdLst>
     <p:sldId id="276" r:id="rId2"/>
@@ -17,7 +17,6 @@
     <p:sldId id="277" r:id="rId8"/>
     <p:sldId id="279" r:id="rId9"/>
     <p:sldId id="278" r:id="rId10"/>
-    <p:sldId id="286" r:id="rId11"/>
   </p:sldIdLst>
   <p:sldSz cx="9144000" cy="6858000" type="screen4x3"/>
   <p:notesSz cx="6858000" cy="9144000"/>
@@ -218,7 +217,7 @@
             <a:fld id="{6331132F-6757-456E-A169-DFC25AF282F4}" type="datetimeFigureOut">
               <a:rPr lang="es-CL" smtClean="0"/>
               <a:pPr/>
-              <a:t>26-07-19</a:t>
+              <a:t>15-10-20</a:t>
             </a:fld>
             <a:endParaRPr lang="es-CL"/>
           </a:p>
@@ -764,7 +763,7 @@
             <a:fld id="{CBB330BB-3945-4562-998B-13630C30D4E7}" type="datetimeFigureOut">
               <a:rPr lang="es-CL" smtClean="0"/>
               <a:pPr/>
-              <a:t>26-07-19</a:t>
+              <a:t>15-10-20</a:t>
             </a:fld>
             <a:endParaRPr lang="es-CL"/>
           </a:p>
@@ -931,7 +930,7 @@
             <a:fld id="{CBB330BB-3945-4562-998B-13630C30D4E7}" type="datetimeFigureOut">
               <a:rPr lang="es-CL" smtClean="0"/>
               <a:pPr/>
-              <a:t>26-07-19</a:t>
+              <a:t>15-10-20</a:t>
             </a:fld>
             <a:endParaRPr lang="es-CL"/>
           </a:p>
@@ -1108,7 +1107,7 @@
             <a:fld id="{CBB330BB-3945-4562-998B-13630C30D4E7}" type="datetimeFigureOut">
               <a:rPr lang="es-CL" smtClean="0"/>
               <a:pPr/>
-              <a:t>26-07-19</a:t>
+              <a:t>15-10-20</a:t>
             </a:fld>
             <a:endParaRPr lang="es-CL"/>
           </a:p>
@@ -1275,7 +1274,7 @@
             <a:fld id="{CBB330BB-3945-4562-998B-13630C30D4E7}" type="datetimeFigureOut">
               <a:rPr lang="es-CL" smtClean="0"/>
               <a:pPr/>
-              <a:t>26-07-19</a:t>
+              <a:t>15-10-20</a:t>
             </a:fld>
             <a:endParaRPr lang="es-CL"/>
           </a:p>
@@ -1518,7 +1517,7 @@
             <a:fld id="{CBB330BB-3945-4562-998B-13630C30D4E7}" type="datetimeFigureOut">
               <a:rPr lang="es-CL" smtClean="0"/>
               <a:pPr/>
-              <a:t>26-07-19</a:t>
+              <a:t>15-10-20</a:t>
             </a:fld>
             <a:endParaRPr lang="es-CL"/>
           </a:p>
@@ -1803,7 +1802,7 @@
             <a:fld id="{CBB330BB-3945-4562-998B-13630C30D4E7}" type="datetimeFigureOut">
               <a:rPr lang="es-CL" smtClean="0"/>
               <a:pPr/>
-              <a:t>26-07-19</a:t>
+              <a:t>15-10-20</a:t>
             </a:fld>
             <a:endParaRPr lang="es-CL"/>
           </a:p>
@@ -2222,7 +2221,7 @@
             <a:fld id="{CBB330BB-3945-4562-998B-13630C30D4E7}" type="datetimeFigureOut">
               <a:rPr lang="es-CL" smtClean="0"/>
               <a:pPr/>
-              <a:t>26-07-19</a:t>
+              <a:t>15-10-20</a:t>
             </a:fld>
             <a:endParaRPr lang="es-CL"/>
           </a:p>
@@ -2337,7 +2336,7 @@
             <a:fld id="{CBB330BB-3945-4562-998B-13630C30D4E7}" type="datetimeFigureOut">
               <a:rPr lang="es-CL" smtClean="0"/>
               <a:pPr/>
-              <a:t>26-07-19</a:t>
+              <a:t>15-10-20</a:t>
             </a:fld>
             <a:endParaRPr lang="es-CL"/>
           </a:p>
@@ -2429,7 +2428,7 @@
             <a:fld id="{CBB330BB-3945-4562-998B-13630C30D4E7}" type="datetimeFigureOut">
               <a:rPr lang="es-CL" smtClean="0"/>
               <a:pPr/>
-              <a:t>26-07-19</a:t>
+              <a:t>15-10-20</a:t>
             </a:fld>
             <a:endParaRPr lang="es-CL"/>
           </a:p>
@@ -2703,7 +2702,7 @@
             <a:fld id="{CBB330BB-3945-4562-998B-13630C30D4E7}" type="datetimeFigureOut">
               <a:rPr lang="es-CL" smtClean="0"/>
               <a:pPr/>
-              <a:t>26-07-19</a:t>
+              <a:t>15-10-20</a:t>
             </a:fld>
             <a:endParaRPr lang="es-CL"/>
           </a:p>
@@ -2953,7 +2952,7 @@
             <a:fld id="{CBB330BB-3945-4562-998B-13630C30D4E7}" type="datetimeFigureOut">
               <a:rPr lang="es-CL" smtClean="0"/>
               <a:pPr/>
-              <a:t>26-07-19</a:t>
+              <a:t>15-10-20</a:t>
             </a:fld>
             <a:endParaRPr lang="es-CL"/>
           </a:p>
@@ -3163,7 +3162,7 @@
             <a:fld id="{CBB330BB-3945-4562-998B-13630C30D4E7}" type="datetimeFigureOut">
               <a:rPr lang="es-CL" smtClean="0"/>
               <a:pPr/>
-              <a:t>26-07-19</a:t>
+              <a:t>15-10-20</a:t>
             </a:fld>
             <a:endParaRPr lang="es-CL"/>
           </a:p>
@@ -4799,128 +4798,6 @@
       <p:bldP spid="10" grpId="0"/>
     </p:bldLst>
   </p:timing>
-</p:sld>
-</file>
-
-<file path=ppt/slides/slide10.xml><?xml version="1.0" encoding="utf-8"?>
-<p:sld xmlns:a="http://schemas.openxmlformats.org/drawingml/2006/main" xmlns:r="http://schemas.openxmlformats.org/officeDocument/2006/relationships" xmlns:p="http://schemas.openxmlformats.org/presentationml/2006/main">
-  <p:cSld>
-    <p:spTree>
-      <p:nvGrpSpPr>
-        <p:cNvPr id="1" name=""/>
-        <p:cNvGrpSpPr/>
-        <p:nvPr/>
-      </p:nvGrpSpPr>
-      <p:grpSpPr>
-        <a:xfrm>
-          <a:off x="0" y="0"/>
-          <a:ext cx="0" cy="0"/>
-          <a:chOff x="0" y="0"/>
-          <a:chExt cx="0" cy="0"/>
-        </a:xfrm>
-      </p:grpSpPr>
-      <p:sp>
-        <p:nvSpPr>
-          <p:cNvPr id="2" name="Title 1"/>
-          <p:cNvSpPr>
-            <a:spLocks noGrp="1"/>
-          </p:cNvSpPr>
-          <p:nvPr>
-            <p:ph type="title"/>
-          </p:nvPr>
-        </p:nvSpPr>
-        <p:spPr/>
-        <p:txBody>
-          <a:bodyPr/>
-          <a:lstStyle/>
-          <a:p>
-            <a:r>
-              <a:rPr lang="es-ES_tradnl" dirty="0"/>
-              <a:t>Ejemplos</a:t>
-            </a:r>
-          </a:p>
-        </p:txBody>
-      </p:sp>
-      <p:sp>
-        <p:nvSpPr>
-          <p:cNvPr id="4" name="Rectangle 3"/>
-          <p:cNvSpPr/>
-          <p:nvPr/>
-        </p:nvSpPr>
-        <p:spPr>
-          <a:xfrm>
-            <a:off x="755576" y="2967335"/>
-            <a:ext cx="6192688" cy="1200329"/>
-          </a:xfrm>
-          <a:prstGeom prst="rect">
-            <a:avLst/>
-          </a:prstGeom>
-        </p:spPr>
-        <p:txBody>
-          <a:bodyPr wrap="square">
-            <a:spAutoFit/>
-          </a:bodyPr>
-          <a:lstStyle/>
-          <a:p>
-            <a:r>
-              <a:rPr lang="es-ES_tradnl" dirty="0"/>
-              <a:t>Detección de Bordes, Texturas</a:t>
-            </a:r>
-            <a:r>
-              <a:rPr lang="es-ES_tradnl"/>
-              <a:t>, Compresión:</a:t>
-            </a:r>
-          </a:p>
-          <a:p>
-            <a:endParaRPr lang="es-ES_tradnl" dirty="0"/>
-          </a:p>
-          <a:p>
-            <a:r>
-              <a:rPr lang="es-ES_tradnl" dirty="0"/>
-              <a:t>https://</a:t>
-            </a:r>
-            <a:r>
-              <a:rPr lang="es-ES_tradnl" dirty="0" err="1"/>
-              <a:t>www.dc.uba.ar</a:t>
-            </a:r>
-            <a:r>
-              <a:rPr lang="es-ES_tradnl" dirty="0"/>
-              <a:t>/</a:t>
-            </a:r>
-            <a:r>
-              <a:rPr lang="es-ES_tradnl" dirty="0" err="1"/>
-              <a:t>Trash</a:t>
-            </a:r>
-            <a:r>
-              <a:rPr lang="es-ES_tradnl" dirty="0"/>
-              <a:t>/eventos/</a:t>
-            </a:r>
-            <a:r>
-              <a:rPr lang="es-ES_tradnl" dirty="0" err="1"/>
-              <a:t>ecimag</a:t>
-            </a:r>
-            <a:r>
-              <a:rPr lang="es-ES_tradnl" dirty="0"/>
-              <a:t>/workshop/Transparencias-Charla-</a:t>
-            </a:r>
-            <a:r>
-              <a:rPr lang="es-ES_tradnl" dirty="0" err="1"/>
-              <a:t>AnaRuedin.pdf</a:t>
-            </a:r>
-            <a:endParaRPr lang="es-ES_tradnl" dirty="0"/>
-          </a:p>
-        </p:txBody>
-      </p:sp>
-    </p:spTree>
-    <p:extLst>
-      <p:ext uri="{BB962C8B-B14F-4D97-AF65-F5344CB8AC3E}">
-        <p14:creationId xmlns:p14="http://schemas.microsoft.com/office/powerpoint/2010/main" val="1884595189"/>
-      </p:ext>
-    </p:extLst>
-  </p:cSld>
-  <p:clrMapOvr>
-    <a:masterClrMapping/>
-  </p:clrMapOvr>
 </p:sld>
 </file>
 
